--- a/Apps final ppt.pptx
+++ b/Apps final ppt.pptx
@@ -13,8 +13,7 @@
     <p:sldId id="264" r:id="rId7"/>
     <p:sldId id="259" r:id="rId8"/>
     <p:sldId id="265" r:id="rId9"/>
-    <p:sldId id="266" r:id="rId10"/>
-    <p:sldId id="260" r:id="rId11"/>
+    <p:sldId id="260" r:id="rId10"/>
   </p:sldIdLst>
   <p:sldSz cx="12192000" cy="6858000"/>
   <p:notesSz cx="6858000" cy="9144000"/>
@@ -113,6 +112,11 @@
       </a:defRPr>
     </a:lvl9pPr>
   </p:defaultTextStyle>
+  <p:extLst>
+    <p:ext uri="{EFAFB233-063F-42B5-8137-9DF3F51BA10A}">
+      <p15:sldGuideLst xmlns:p15="http://schemas.microsoft.com/office/powerpoint/2012/main"/>
+    </p:ext>
+  </p:extLst>
 </p:presentation>
 </file>
 
@@ -263,7 +267,7 @@
           <a:p>
             <a:fld id="{57BE7C61-61EE-47B0-B99C-B5DE415B1E2E}" type="datetimeFigureOut">
               <a:rPr lang="en-US" smtClean="0"/>
-              <a:t>12/2/2019</a:t>
+              <a:t>12/3/2019</a:t>
             </a:fld>
             <a:endParaRPr lang="en-US"/>
           </a:p>
@@ -461,7 +465,7 @@
           <a:p>
             <a:fld id="{57BE7C61-61EE-47B0-B99C-B5DE415B1E2E}" type="datetimeFigureOut">
               <a:rPr lang="en-US" smtClean="0"/>
-              <a:t>12/2/2019</a:t>
+              <a:t>12/3/2019</a:t>
             </a:fld>
             <a:endParaRPr lang="en-US"/>
           </a:p>
@@ -669,7 +673,7 @@
           <a:p>
             <a:fld id="{57BE7C61-61EE-47B0-B99C-B5DE415B1E2E}" type="datetimeFigureOut">
               <a:rPr lang="en-US" smtClean="0"/>
-              <a:t>12/2/2019</a:t>
+              <a:t>12/3/2019</a:t>
             </a:fld>
             <a:endParaRPr lang="en-US"/>
           </a:p>
@@ -867,7 +871,7 @@
           <a:p>
             <a:fld id="{57BE7C61-61EE-47B0-B99C-B5DE415B1E2E}" type="datetimeFigureOut">
               <a:rPr lang="en-US" smtClean="0"/>
-              <a:t>12/2/2019</a:t>
+              <a:t>12/3/2019</a:t>
             </a:fld>
             <a:endParaRPr lang="en-US"/>
           </a:p>
@@ -1142,7 +1146,7 @@
           <a:p>
             <a:fld id="{57BE7C61-61EE-47B0-B99C-B5DE415B1E2E}" type="datetimeFigureOut">
               <a:rPr lang="en-US" smtClean="0"/>
-              <a:t>12/2/2019</a:t>
+              <a:t>12/3/2019</a:t>
             </a:fld>
             <a:endParaRPr lang="en-US"/>
           </a:p>
@@ -1407,7 +1411,7 @@
           <a:p>
             <a:fld id="{57BE7C61-61EE-47B0-B99C-B5DE415B1E2E}" type="datetimeFigureOut">
               <a:rPr lang="en-US" smtClean="0"/>
-              <a:t>12/2/2019</a:t>
+              <a:t>12/3/2019</a:t>
             </a:fld>
             <a:endParaRPr lang="en-US"/>
           </a:p>
@@ -1819,7 +1823,7 @@
           <a:p>
             <a:fld id="{57BE7C61-61EE-47B0-B99C-B5DE415B1E2E}" type="datetimeFigureOut">
               <a:rPr lang="en-US" smtClean="0"/>
-              <a:t>12/2/2019</a:t>
+              <a:t>12/3/2019</a:t>
             </a:fld>
             <a:endParaRPr lang="en-US"/>
           </a:p>
@@ -1960,7 +1964,7 @@
           <a:p>
             <a:fld id="{57BE7C61-61EE-47B0-B99C-B5DE415B1E2E}" type="datetimeFigureOut">
               <a:rPr lang="en-US" smtClean="0"/>
-              <a:t>12/2/2019</a:t>
+              <a:t>12/3/2019</a:t>
             </a:fld>
             <a:endParaRPr lang="en-US"/>
           </a:p>
@@ -2073,7 +2077,7 @@
           <a:p>
             <a:fld id="{57BE7C61-61EE-47B0-B99C-B5DE415B1E2E}" type="datetimeFigureOut">
               <a:rPr lang="en-US" smtClean="0"/>
-              <a:t>12/2/2019</a:t>
+              <a:t>12/3/2019</a:t>
             </a:fld>
             <a:endParaRPr lang="en-US"/>
           </a:p>
@@ -2384,7 +2388,7 @@
           <a:p>
             <a:fld id="{57BE7C61-61EE-47B0-B99C-B5DE415B1E2E}" type="datetimeFigureOut">
               <a:rPr lang="en-US" smtClean="0"/>
-              <a:t>12/2/2019</a:t>
+              <a:t>12/3/2019</a:t>
             </a:fld>
             <a:endParaRPr lang="en-US"/>
           </a:p>
@@ -2672,7 +2676,7 @@
           <a:p>
             <a:fld id="{57BE7C61-61EE-47B0-B99C-B5DE415B1E2E}" type="datetimeFigureOut">
               <a:rPr lang="en-US" smtClean="0"/>
-              <a:t>12/2/2019</a:t>
+              <a:t>12/3/2019</a:t>
             </a:fld>
             <a:endParaRPr lang="en-US"/>
           </a:p>
@@ -2913,7 +2917,7 @@
           <a:p>
             <a:fld id="{57BE7C61-61EE-47B0-B99C-B5DE415B1E2E}" type="datetimeFigureOut">
               <a:rPr lang="en-US" smtClean="0"/>
-              <a:t>12/2/2019</a:t>
+              <a:t>12/3/2019</a:t>
             </a:fld>
             <a:endParaRPr lang="en-US"/>
           </a:p>
@@ -3356,6 +3360,10 @@
           <a:bodyPr/>
           <a:lstStyle/>
           <a:p>
+            <a:r>
+              <a:rPr lang="en-US" dirty="0" err="1"/>
+              <a:t>WorkTime</a:t>
+            </a:r>
             <a:endParaRPr lang="en-US" dirty="0"/>
           </a:p>
         </p:txBody>
@@ -3441,163 +3449,6 @@
     <p:extLst>
       <p:ext uri="{BB962C8B-B14F-4D97-AF65-F5344CB8AC3E}">
         <p14:creationId xmlns:p14="http://schemas.microsoft.com/office/powerpoint/2010/main" val="2485551697"/>
-      </p:ext>
-    </p:extLst>
-  </p:cSld>
-  <p:clrMapOvr>
-    <a:masterClrMapping/>
-  </p:clrMapOvr>
-</p:sld>
-</file>
-
-<file path=ppt/slides/slide10.xml><?xml version="1.0" encoding="utf-8"?>
-<p:sld xmlns:a="http://schemas.openxmlformats.org/drawingml/2006/main" xmlns:r="http://schemas.openxmlformats.org/officeDocument/2006/relationships" xmlns:p="http://schemas.openxmlformats.org/presentationml/2006/main">
-  <p:cSld>
-    <p:spTree>
-      <p:nvGrpSpPr>
-        <p:cNvPr id="1" name=""/>
-        <p:cNvGrpSpPr/>
-        <p:nvPr/>
-      </p:nvGrpSpPr>
-      <p:grpSpPr>
-        <a:xfrm>
-          <a:off x="0" y="0"/>
-          <a:ext cx="0" cy="0"/>
-          <a:chOff x="0" y="0"/>
-          <a:chExt cx="0" cy="0"/>
-        </a:xfrm>
-      </p:grpSpPr>
-      <p:sp>
-        <p:nvSpPr>
-          <p:cNvPr id="5" name="Title 4">
-            <a:extLst>
-              <a:ext uri="{FF2B5EF4-FFF2-40B4-BE49-F238E27FC236}">
-                <a16:creationId xmlns:a16="http://schemas.microsoft.com/office/drawing/2014/main" id="{4C8CF28A-6113-4DD8-A72F-B3EBA4041CAB}"/>
-              </a:ext>
-            </a:extLst>
-          </p:cNvPr>
-          <p:cNvSpPr>
-            <a:spLocks noGrp="1"/>
-          </p:cNvSpPr>
-          <p:nvPr>
-            <p:ph type="title"/>
-          </p:nvPr>
-        </p:nvSpPr>
-        <p:spPr/>
-        <p:txBody>
-          <a:bodyPr/>
-          <a:lstStyle/>
-          <a:p>
-            <a:r>
-              <a:rPr lang="en-US" dirty="0"/>
-              <a:t>Projected Pay View</a:t>
-            </a:r>
-          </a:p>
-        </p:txBody>
-      </p:sp>
-      <p:sp>
-        <p:nvSpPr>
-          <p:cNvPr id="6" name="Content Placeholder 5">
-            <a:extLst>
-              <a:ext uri="{FF2B5EF4-FFF2-40B4-BE49-F238E27FC236}">
-                <a16:creationId xmlns:a16="http://schemas.microsoft.com/office/drawing/2014/main" id="{A673B5D7-499B-40FF-BFBD-BCF317B988BF}"/>
-              </a:ext>
-            </a:extLst>
-          </p:cNvPr>
-          <p:cNvSpPr>
-            <a:spLocks noGrp="1"/>
-          </p:cNvSpPr>
-          <p:nvPr>
-            <p:ph idx="1"/>
-          </p:nvPr>
-        </p:nvSpPr>
-        <p:spPr/>
-        <p:txBody>
-          <a:bodyPr/>
-          <a:lstStyle/>
-          <a:p>
-            <a:endParaRPr lang="en-US"/>
-          </a:p>
-        </p:txBody>
-      </p:sp>
-      <p:sp>
-        <p:nvSpPr>
-          <p:cNvPr id="7" name="Text Placeholder 6">
-            <a:extLst>
-              <a:ext uri="{FF2B5EF4-FFF2-40B4-BE49-F238E27FC236}">
-                <a16:creationId xmlns:a16="http://schemas.microsoft.com/office/drawing/2014/main" id="{7A8544E4-08B9-4FE1-996B-C871FC4EF03A}"/>
-              </a:ext>
-            </a:extLst>
-          </p:cNvPr>
-          <p:cNvSpPr>
-            <a:spLocks noGrp="1"/>
-          </p:cNvSpPr>
-          <p:nvPr>
-            <p:ph type="body" sz="half" idx="2"/>
-          </p:nvPr>
-        </p:nvSpPr>
-        <p:spPr/>
-        <p:txBody>
-          <a:bodyPr>
-            <a:normAutofit/>
-          </a:bodyPr>
-          <a:lstStyle/>
-          <a:p>
-            <a:pPr marL="342900" indent="-342900">
-              <a:buFont typeface="Arial" panose="020B0604020202020204" pitchFamily="34" charset="0"/>
-              <a:buChar char="•"/>
-            </a:pPr>
-            <a:r>
-              <a:rPr lang="en-US" sz="2000" dirty="0"/>
-              <a:t>Projected Pay is by far the most unique view so far.</a:t>
-            </a:r>
-          </a:p>
-          <a:p>
-            <a:pPr marL="342900" indent="-342900">
-              <a:buFont typeface="Arial" panose="020B0604020202020204" pitchFamily="34" charset="0"/>
-              <a:buChar char="•"/>
-            </a:pPr>
-            <a:r>
-              <a:rPr lang="en-US" sz="2000" dirty="0"/>
-              <a:t>It allows the user to enter hours worked for the entire pay period (2 weeks) and receive:</a:t>
-            </a:r>
-          </a:p>
-          <a:p>
-            <a:pPr marL="800100" lvl="1" indent="-342900">
-              <a:buFont typeface="Arial" panose="020B0604020202020204" pitchFamily="34" charset="0"/>
-              <a:buChar char="•"/>
-            </a:pPr>
-            <a:r>
-              <a:rPr lang="en-US" sz="1800" dirty="0"/>
-              <a:t>Total hours worked.</a:t>
-            </a:r>
-          </a:p>
-          <a:p>
-            <a:pPr marL="800100" lvl="1" indent="-342900">
-              <a:buFont typeface="Arial" panose="020B0604020202020204" pitchFamily="34" charset="0"/>
-              <a:buChar char="•"/>
-            </a:pPr>
-            <a:r>
-              <a:rPr lang="en-US" sz="1800" dirty="0"/>
-              <a:t>Projected pay (calculated using information from the position class).</a:t>
-            </a:r>
-          </a:p>
-          <a:p>
-            <a:pPr marL="342900" indent="-342900">
-              <a:buFont typeface="Arial" panose="020B0604020202020204" pitchFamily="34" charset="0"/>
-              <a:buChar char="•"/>
-            </a:pPr>
-            <a:r>
-              <a:rPr lang="en-US" sz="2000" dirty="0"/>
-              <a:t>Also, the user may return to their profile from here, or logout.</a:t>
-            </a:r>
-          </a:p>
-        </p:txBody>
-      </p:sp>
-    </p:spTree>
-    <p:extLst>
-      <p:ext uri="{BB962C8B-B14F-4D97-AF65-F5344CB8AC3E}">
-        <p14:creationId xmlns:p14="http://schemas.microsoft.com/office/powerpoint/2010/main" val="4196231565"/>
       </p:ext>
     </p:extLst>
   </p:cSld>
@@ -3710,8 +3561,13 @@
           <a:p>
             <a:r>
               <a:rPr lang="en-US" dirty="0"/>
-              <a:t>Overview of (project name here)</a:t>
-            </a:r>
+              <a:t>Overview of </a:t>
+            </a:r>
+            <a:r>
+              <a:rPr lang="en-US" dirty="0" err="1"/>
+              <a:t>WorkTime</a:t>
+            </a:r>
+            <a:endParaRPr lang="en-US" dirty="0"/>
           </a:p>
         </p:txBody>
       </p:sp>
@@ -4070,31 +3926,6 @@
       </p:sp>
       <p:sp>
         <p:nvSpPr>
-          <p:cNvPr id="6" name="Content Placeholder 5">
-            <a:extLst>
-              <a:ext uri="{FF2B5EF4-FFF2-40B4-BE49-F238E27FC236}">
-                <a16:creationId xmlns:a16="http://schemas.microsoft.com/office/drawing/2014/main" id="{A673B5D7-499B-40FF-BFBD-BCF317B988BF}"/>
-              </a:ext>
-            </a:extLst>
-          </p:cNvPr>
-          <p:cNvSpPr>
-            <a:spLocks noGrp="1"/>
-          </p:cNvSpPr>
-          <p:nvPr>
-            <p:ph idx="1"/>
-          </p:nvPr>
-        </p:nvSpPr>
-        <p:spPr/>
-        <p:txBody>
-          <a:bodyPr/>
-          <a:lstStyle/>
-          <a:p>
-            <a:endParaRPr lang="en-US"/>
-          </a:p>
-        </p:txBody>
-      </p:sp>
-      <p:sp>
-        <p:nvSpPr>
           <p:cNvPr id="7" name="Text Placeholder 6">
             <a:extLst>
               <a:ext uri="{FF2B5EF4-FFF2-40B4-BE49-F238E27FC236}">
@@ -4164,6 +3995,31 @@
               <a:rPr lang="en-US" sz="2000" dirty="0"/>
               <a:t>Also, a button for signing up a new employee is present (this leads to a signup view).</a:t>
             </a:r>
+          </a:p>
+        </p:txBody>
+      </p:sp>
+      <p:sp>
+        <p:nvSpPr>
+          <p:cNvPr id="8" name="Content Placeholder 7">
+            <a:extLst>
+              <a:ext uri="{FF2B5EF4-FFF2-40B4-BE49-F238E27FC236}">
+                <a16:creationId xmlns:a16="http://schemas.microsoft.com/office/drawing/2014/main" id="{EE15B03B-0994-4C4C-9258-4412788F0C6B}"/>
+              </a:ext>
+            </a:extLst>
+          </p:cNvPr>
+          <p:cNvSpPr>
+            <a:spLocks noGrp="1"/>
+          </p:cNvSpPr>
+          <p:nvPr>
+            <p:ph idx="1"/>
+          </p:nvPr>
+        </p:nvSpPr>
+        <p:spPr/>
+        <p:txBody>
+          <a:bodyPr/>
+          <a:lstStyle/>
+          <a:p>
+            <a:endParaRPr lang="en-US"/>
           </a:p>
         </p:txBody>
       </p:sp>
@@ -4227,31 +4083,6 @@
       </p:sp>
       <p:sp>
         <p:nvSpPr>
-          <p:cNvPr id="6" name="Content Placeholder 5">
-            <a:extLst>
-              <a:ext uri="{FF2B5EF4-FFF2-40B4-BE49-F238E27FC236}">
-                <a16:creationId xmlns:a16="http://schemas.microsoft.com/office/drawing/2014/main" id="{A673B5D7-499B-40FF-BFBD-BCF317B988BF}"/>
-              </a:ext>
-            </a:extLst>
-          </p:cNvPr>
-          <p:cNvSpPr>
-            <a:spLocks noGrp="1"/>
-          </p:cNvSpPr>
-          <p:nvPr>
-            <p:ph idx="1"/>
-          </p:nvPr>
-        </p:nvSpPr>
-        <p:spPr/>
-        <p:txBody>
-          <a:bodyPr/>
-          <a:lstStyle/>
-          <a:p>
-            <a:endParaRPr lang="en-US"/>
-          </a:p>
-        </p:txBody>
-      </p:sp>
-      <p:sp>
-        <p:nvSpPr>
           <p:cNvPr id="7" name="Text Placeholder 6">
             <a:extLst>
               <a:ext uri="{FF2B5EF4-FFF2-40B4-BE49-F238E27FC236}">
@@ -4301,6 +4132,31 @@
               <a:rPr lang="en-US" sz="2000" dirty="0"/>
               <a:t>Upon successfully creating a new employee, the application will go to the new employee’s profile.</a:t>
             </a:r>
+          </a:p>
+        </p:txBody>
+      </p:sp>
+      <p:sp>
+        <p:nvSpPr>
+          <p:cNvPr id="4" name="Content Placeholder 3">
+            <a:extLst>
+              <a:ext uri="{FF2B5EF4-FFF2-40B4-BE49-F238E27FC236}">
+                <a16:creationId xmlns:a16="http://schemas.microsoft.com/office/drawing/2014/main" id="{A892FF66-D108-4642-B51C-C4CD19F7645E}"/>
+              </a:ext>
+            </a:extLst>
+          </p:cNvPr>
+          <p:cNvSpPr>
+            <a:spLocks noGrp="1"/>
+          </p:cNvSpPr>
+          <p:nvPr>
+            <p:ph idx="1"/>
+          </p:nvPr>
+        </p:nvSpPr>
+        <p:spPr/>
+        <p:txBody>
+          <a:bodyPr/>
+          <a:lstStyle/>
+          <a:p>
+            <a:endParaRPr lang="en-US"/>
           </a:p>
         </p:txBody>
       </p:sp>
@@ -4436,16 +4292,6 @@
             </a:pPr>
             <a:r>
               <a:rPr lang="en-US" sz="1800" dirty="0"/>
-              <a:t>The same is true for the change password view.</a:t>
-            </a:r>
-          </a:p>
-          <a:p>
-            <a:pPr marL="800100" lvl="1" indent="-342900">
-              <a:buFont typeface="Arial" panose="020B0604020202020204" pitchFamily="34" charset="0"/>
-              <a:buChar char="•"/>
-            </a:pPr>
-            <a:r>
-              <a:rPr lang="en-US" sz="1800" dirty="0"/>
               <a:t>Projected pay leads to the projected pay view which is discussed in the next slide.</a:t>
             </a:r>
           </a:p>
@@ -4514,7 +4360,7 @@
           <a:p>
             <a:r>
               <a:rPr lang="en-US" dirty="0"/>
-              <a:t>Possible update info?</a:t>
+              <a:t>Update View</a:t>
             </a:r>
           </a:p>
         </p:txBody>
@@ -4562,10 +4408,39 @@
         </p:nvSpPr>
         <p:spPr/>
         <p:txBody>
-          <a:bodyPr/>
-          <a:lstStyle/>
-          <a:p>
-            <a:endParaRPr lang="en-US"/>
+          <a:bodyPr>
+            <a:normAutofit/>
+          </a:bodyPr>
+          <a:lstStyle/>
+          <a:p>
+            <a:pPr marL="285750" indent="-285750">
+              <a:buFont typeface="Arial" panose="020B0604020202020204" pitchFamily="34" charset="0"/>
+              <a:buChar char="•"/>
+            </a:pPr>
+            <a:r>
+              <a:rPr lang="en-US" sz="2000" dirty="0"/>
+              <a:t>This view is similar to the Signup view as it allows the user to enter a variety of personal information</a:t>
+            </a:r>
+          </a:p>
+          <a:p>
+            <a:pPr marL="285750" indent="-285750">
+              <a:buFont typeface="Arial" panose="020B0604020202020204" pitchFamily="34" charset="0"/>
+              <a:buChar char="•"/>
+            </a:pPr>
+            <a:r>
+              <a:rPr lang="en-US" sz="2000" dirty="0"/>
+              <a:t>When the user has finished entering information, their profile is updated and saved to the data file.</a:t>
+            </a:r>
+          </a:p>
+          <a:p>
+            <a:pPr marL="285750" indent="-285750">
+              <a:buFont typeface="Arial" panose="020B0604020202020204" pitchFamily="34" charset="0"/>
+              <a:buChar char="•"/>
+            </a:pPr>
+            <a:r>
+              <a:rPr lang="en-US" sz="2000" dirty="0"/>
+              <a:t>Upon finishing, the view changes back to the profile view.</a:t>
+            </a:r>
           </a:p>
         </p:txBody>
       </p:sp>
@@ -4601,10 +4476,10 @@
       </p:grpSpPr>
       <p:sp>
         <p:nvSpPr>
-          <p:cNvPr id="2" name="Title 1">
-            <a:extLst>
-              <a:ext uri="{FF2B5EF4-FFF2-40B4-BE49-F238E27FC236}">
-                <a16:creationId xmlns:a16="http://schemas.microsoft.com/office/drawing/2014/main" id="{2B5611E0-6E13-4DE5-85A5-F1FE73106350}"/>
+          <p:cNvPr id="5" name="Title 4">
+            <a:extLst>
+              <a:ext uri="{FF2B5EF4-FFF2-40B4-BE49-F238E27FC236}">
+                <a16:creationId xmlns:a16="http://schemas.microsoft.com/office/drawing/2014/main" id="{4C8CF28A-6113-4DD8-A72F-B3EBA4041CAB}"/>
               </a:ext>
             </a:extLst>
           </p:cNvPr>
@@ -4622,17 +4497,91 @@
           <a:p>
             <a:r>
               <a:rPr lang="en-US" dirty="0"/>
-              <a:t>Possible update login?</a:t>
-            </a:r>
-          </a:p>
-        </p:txBody>
-      </p:sp>
-      <p:sp>
-        <p:nvSpPr>
-          <p:cNvPr id="3" name="Content Placeholder 2">
-            <a:extLst>
-              <a:ext uri="{FF2B5EF4-FFF2-40B4-BE49-F238E27FC236}">
-                <a16:creationId xmlns:a16="http://schemas.microsoft.com/office/drawing/2014/main" id="{A16B14CC-8581-4F42-8208-31055D2DF586}"/>
+              <a:t>Projected Pay View</a:t>
+            </a:r>
+          </a:p>
+        </p:txBody>
+      </p:sp>
+      <p:sp>
+        <p:nvSpPr>
+          <p:cNvPr id="7" name="Text Placeholder 6">
+            <a:extLst>
+              <a:ext uri="{FF2B5EF4-FFF2-40B4-BE49-F238E27FC236}">
+                <a16:creationId xmlns:a16="http://schemas.microsoft.com/office/drawing/2014/main" id="{7A8544E4-08B9-4FE1-996B-C871FC4EF03A}"/>
+              </a:ext>
+            </a:extLst>
+          </p:cNvPr>
+          <p:cNvSpPr>
+            <a:spLocks noGrp="1"/>
+          </p:cNvSpPr>
+          <p:nvPr>
+            <p:ph type="body" sz="half" idx="2"/>
+          </p:nvPr>
+        </p:nvSpPr>
+        <p:spPr/>
+        <p:txBody>
+          <a:bodyPr>
+            <a:normAutofit/>
+          </a:bodyPr>
+          <a:lstStyle/>
+          <a:p>
+            <a:pPr marL="342900" indent="-342900">
+              <a:buFont typeface="Arial" panose="020B0604020202020204" pitchFamily="34" charset="0"/>
+              <a:buChar char="•"/>
+            </a:pPr>
+            <a:r>
+              <a:rPr lang="en-US" sz="2000" dirty="0"/>
+              <a:t>Projected Pay is by far the most unique view so far.</a:t>
+            </a:r>
+          </a:p>
+          <a:p>
+            <a:pPr marL="342900" indent="-342900">
+              <a:buFont typeface="Arial" panose="020B0604020202020204" pitchFamily="34" charset="0"/>
+              <a:buChar char="•"/>
+            </a:pPr>
+            <a:r>
+              <a:rPr lang="en-US" sz="2000" dirty="0"/>
+              <a:t>It allows the user to enter hours worked for the entire pay period (2 weeks) and receive:</a:t>
+            </a:r>
+          </a:p>
+          <a:p>
+            <a:pPr marL="800100" lvl="1" indent="-342900">
+              <a:buFont typeface="Arial" panose="020B0604020202020204" pitchFamily="34" charset="0"/>
+              <a:buChar char="•"/>
+            </a:pPr>
+            <a:r>
+              <a:rPr lang="en-US" sz="1800" dirty="0"/>
+              <a:t>Total hours worked.</a:t>
+            </a:r>
+          </a:p>
+          <a:p>
+            <a:pPr marL="800100" lvl="1" indent="-342900">
+              <a:buFont typeface="Arial" panose="020B0604020202020204" pitchFamily="34" charset="0"/>
+              <a:buChar char="•"/>
+            </a:pPr>
+            <a:r>
+              <a:rPr lang="en-US" sz="1800" dirty="0"/>
+              <a:t>Projected pay (calculated using information from the position class).</a:t>
+            </a:r>
+          </a:p>
+          <a:p>
+            <a:pPr marL="342900" indent="-342900">
+              <a:buFont typeface="Arial" panose="020B0604020202020204" pitchFamily="34" charset="0"/>
+              <a:buChar char="•"/>
+            </a:pPr>
+            <a:r>
+              <a:rPr lang="en-US" sz="2000" dirty="0"/>
+              <a:t>Also, the user may return to their profile from here, or logout.</a:t>
+            </a:r>
+          </a:p>
+        </p:txBody>
+      </p:sp>
+      <p:sp>
+        <p:nvSpPr>
+          <p:cNvPr id="4" name="Content Placeholder 3">
+            <a:extLst>
+              <a:ext uri="{FF2B5EF4-FFF2-40B4-BE49-F238E27FC236}">
+                <a16:creationId xmlns:a16="http://schemas.microsoft.com/office/drawing/2014/main" id="{1FDF62B4-04E3-4C34-909A-7229A1F4FF6D}"/>
               </a:ext>
             </a:extLst>
           </p:cNvPr>
@@ -4641,31 +4590,6 @@
           </p:cNvSpPr>
           <p:nvPr>
             <p:ph idx="1"/>
-          </p:nvPr>
-        </p:nvSpPr>
-        <p:spPr/>
-        <p:txBody>
-          <a:bodyPr/>
-          <a:lstStyle/>
-          <a:p>
-            <a:endParaRPr lang="en-US"/>
-          </a:p>
-        </p:txBody>
-      </p:sp>
-      <p:sp>
-        <p:nvSpPr>
-          <p:cNvPr id="4" name="Text Placeholder 3">
-            <a:extLst>
-              <a:ext uri="{FF2B5EF4-FFF2-40B4-BE49-F238E27FC236}">
-                <a16:creationId xmlns:a16="http://schemas.microsoft.com/office/drawing/2014/main" id="{9F65422F-FA35-4856-A9F9-323BCA178FF6}"/>
-              </a:ext>
-            </a:extLst>
-          </p:cNvPr>
-          <p:cNvSpPr>
-            <a:spLocks noGrp="1"/>
-          </p:cNvSpPr>
-          <p:nvPr>
-            <p:ph type="body" sz="half" idx="2"/>
           </p:nvPr>
         </p:nvSpPr>
         <p:spPr/>
@@ -4680,7 +4604,7 @@
     </p:spTree>
     <p:extLst>
       <p:ext uri="{BB962C8B-B14F-4D97-AF65-F5344CB8AC3E}">
-        <p14:creationId xmlns:p14="http://schemas.microsoft.com/office/powerpoint/2010/main" val="2406371536"/>
+        <p14:creationId xmlns:p14="http://schemas.microsoft.com/office/powerpoint/2010/main" val="4196231565"/>
       </p:ext>
     </p:extLst>
   </p:cSld>
